--- a/docs/презентация.pptx
+++ b/docs/презентация.pptx
@@ -208,7 +208,7 @@
           <a:p>
             <a:fld id="{1B9FD331-068C-4F89-A56E-13284AF14366}" type="datetimeFigureOut">
               <a:rPr lang="ru-RU" smtClean="0"/>
-              <a:t>04.07.2024</a:t>
+              <a:t>05.07.2024</a:t>
             </a:fld>
             <a:endParaRPr lang="ru-RU"/>
           </a:p>
@@ -811,7 +811,7 @@
           <a:p>
             <a:fld id="{F3DB525F-E048-43C4-8755-33EF17B5F45C}" type="datetimeFigureOut">
               <a:rPr lang="ru-RU" smtClean="0"/>
-              <a:t>04.07.2024</a:t>
+              <a:t>05.07.2024</a:t>
             </a:fld>
             <a:endParaRPr lang="ru-RU"/>
           </a:p>
@@ -1039,7 +1039,7 @@
           <a:p>
             <a:fld id="{F3DB525F-E048-43C4-8755-33EF17B5F45C}" type="datetimeFigureOut">
               <a:rPr lang="ru-RU" smtClean="0"/>
-              <a:t>04.07.2024</a:t>
+              <a:t>05.07.2024</a:t>
             </a:fld>
             <a:endParaRPr lang="ru-RU"/>
           </a:p>
@@ -1219,7 +1219,7 @@
           <a:p>
             <a:fld id="{F3DB525F-E048-43C4-8755-33EF17B5F45C}" type="datetimeFigureOut">
               <a:rPr lang="ru-RU" smtClean="0"/>
-              <a:t>04.07.2024</a:t>
+              <a:t>05.07.2024</a:t>
             </a:fld>
             <a:endParaRPr lang="ru-RU"/>
           </a:p>
@@ -1389,7 +1389,7 @@
           <a:p>
             <a:fld id="{F3DB525F-E048-43C4-8755-33EF17B5F45C}" type="datetimeFigureOut">
               <a:rPr lang="ru-RU" smtClean="0"/>
-              <a:t>04.07.2024</a:t>
+              <a:t>05.07.2024</a:t>
             </a:fld>
             <a:endParaRPr lang="ru-RU"/>
           </a:p>
@@ -1643,7 +1643,7 @@
           <a:p>
             <a:fld id="{F3DB525F-E048-43C4-8755-33EF17B5F45C}" type="datetimeFigureOut">
               <a:rPr lang="ru-RU" smtClean="0"/>
-              <a:t>04.07.2024</a:t>
+              <a:t>05.07.2024</a:t>
             </a:fld>
             <a:endParaRPr lang="ru-RU"/>
           </a:p>
@@ -1969,7 +1969,7 @@
           <a:p>
             <a:fld id="{F3DB525F-E048-43C4-8755-33EF17B5F45C}" type="datetimeFigureOut">
               <a:rPr lang="ru-RU" smtClean="0"/>
-              <a:t>04.07.2024</a:t>
+              <a:t>05.07.2024</a:t>
             </a:fld>
             <a:endParaRPr lang="ru-RU"/>
           </a:p>
@@ -2420,7 +2420,7 @@
           <a:p>
             <a:fld id="{F3DB525F-E048-43C4-8755-33EF17B5F45C}" type="datetimeFigureOut">
               <a:rPr lang="ru-RU" smtClean="0"/>
-              <a:t>04.07.2024</a:t>
+              <a:t>05.07.2024</a:t>
             </a:fld>
             <a:endParaRPr lang="ru-RU"/>
           </a:p>
@@ -2538,7 +2538,7 @@
           <a:p>
             <a:fld id="{F3DB525F-E048-43C4-8755-33EF17B5F45C}" type="datetimeFigureOut">
               <a:rPr lang="ru-RU" smtClean="0"/>
-              <a:t>04.07.2024</a:t>
+              <a:t>05.07.2024</a:t>
             </a:fld>
             <a:endParaRPr lang="ru-RU"/>
           </a:p>
@@ -2633,7 +2633,7 @@
           <a:p>
             <a:fld id="{F3DB525F-E048-43C4-8755-33EF17B5F45C}" type="datetimeFigureOut">
               <a:rPr lang="ru-RU" smtClean="0"/>
-              <a:t>04.07.2024</a:t>
+              <a:t>05.07.2024</a:t>
             </a:fld>
             <a:endParaRPr lang="ru-RU"/>
           </a:p>
@@ -2920,7 +2920,7 @@
           <a:p>
             <a:fld id="{F3DB525F-E048-43C4-8755-33EF17B5F45C}" type="datetimeFigureOut">
               <a:rPr lang="ru-RU" smtClean="0"/>
-              <a:t>04.07.2024</a:t>
+              <a:t>05.07.2024</a:t>
             </a:fld>
             <a:endParaRPr lang="ru-RU"/>
           </a:p>
@@ -3242,7 +3242,7 @@
           <a:p>
             <a:fld id="{F3DB525F-E048-43C4-8755-33EF17B5F45C}" type="datetimeFigureOut">
               <a:rPr lang="ru-RU" smtClean="0"/>
-              <a:t>04.07.2024</a:t>
+              <a:t>05.07.2024</a:t>
             </a:fld>
             <a:endParaRPr lang="ru-RU"/>
           </a:p>
@@ -3496,7 +3496,7 @@
           <a:p>
             <a:fld id="{F3DB525F-E048-43C4-8755-33EF17B5F45C}" type="datetimeFigureOut">
               <a:rPr lang="ru-RU" smtClean="0"/>
-              <a:t>04.07.2024</a:t>
+              <a:t>05.07.2024</a:t>
             </a:fld>
             <a:endParaRPr lang="ru-RU"/>
           </a:p>
@@ -6840,15 +6840,15 @@
       </p:sp>
       <p:pic>
         <p:nvPicPr>
-          <p:cNvPr id="4" name="Рисунок 3">
+          <p:cNvPr id="1026" name="Picture 2" descr="JavaScript — Википедия">
             <a:extLst>
               <a:ext uri="{FF2B5EF4-FFF2-40B4-BE49-F238E27FC236}">
-                <a16:creationId xmlns:a16="http://schemas.microsoft.com/office/drawing/2014/main" id="{006705AD-B247-4DC1-903D-87828C5D7450}"/>
+                <a16:creationId xmlns:a16="http://schemas.microsoft.com/office/drawing/2014/main" id="{0275D9A3-57F4-4049-B62D-9E8463D1025A}"/>
               </a:ext>
             </a:extLst>
           </p:cNvPr>
           <p:cNvPicPr>
-            <a:picLocks noChangeAspect="1"/>
+            <a:picLocks noChangeAspect="1" noChangeArrowheads="1"/>
           </p:cNvPicPr>
           <p:nvPr/>
         </p:nvPicPr>
@@ -6860,18 +6860,123 @@
               </a:ext>
             </a:extLst>
           </a:blip>
+          <a:srcRect/>
           <a:stretch>
             <a:fillRect/>
           </a:stretch>
         </p:blipFill>
-        <p:spPr>
+        <p:spPr bwMode="auto">
           <a:xfrm>
-            <a:off x="7701538" y="2490771"/>
-            <a:ext cx="2971764" cy="3823669"/>
+            <a:off x="9058374" y="4086368"/>
+            <a:ext cx="1820159" cy="1820159"/>
           </a:xfrm>
           <a:prstGeom prst="rect">
             <a:avLst/>
           </a:prstGeom>
+          <a:noFill/>
+          <a:extLst>
+            <a:ext uri="{909E8E84-426E-40DD-AFC4-6F175D3DCCD1}">
+              <a14:hiddenFill xmlns:a14="http://schemas.microsoft.com/office/drawing/2010/main">
+                <a:solidFill>
+                  <a:srgbClr val="FFFFFF"/>
+                </a:solidFill>
+              </a14:hiddenFill>
+            </a:ext>
+          </a:extLst>
+        </p:spPr>
+      </p:pic>
+      <p:pic>
+        <p:nvPicPr>
+          <p:cNvPr id="1028" name="Picture 4" descr="CSS — Википедия">
+            <a:extLst>
+              <a:ext uri="{FF2B5EF4-FFF2-40B4-BE49-F238E27FC236}">
+                <a16:creationId xmlns:a16="http://schemas.microsoft.com/office/drawing/2014/main" id="{EE458A1D-3736-4FDA-9FCB-FB291D538ABE}"/>
+              </a:ext>
+            </a:extLst>
+          </p:cNvPr>
+          <p:cNvPicPr>
+            <a:picLocks noChangeAspect="1" noChangeArrowheads="1"/>
+          </p:cNvPicPr>
+          <p:nvPr/>
+        </p:nvPicPr>
+        <p:blipFill>
+          <a:blip r:embed="rId3">
+            <a:extLst>
+              <a:ext uri="{28A0092B-C50C-407E-A947-70E740481C1C}">
+                <a14:useLocalDpi xmlns:a14="http://schemas.microsoft.com/office/drawing/2010/main" val="0"/>
+              </a:ext>
+            </a:extLst>
+          </a:blip>
+          <a:srcRect/>
+          <a:stretch>
+            <a:fillRect/>
+          </a:stretch>
+        </p:blipFill>
+        <p:spPr bwMode="auto">
+          <a:xfrm>
+            <a:off x="6777824" y="4086368"/>
+            <a:ext cx="1820159" cy="1820159"/>
+          </a:xfrm>
+          <a:prstGeom prst="rect">
+            <a:avLst/>
+          </a:prstGeom>
+          <a:noFill/>
+          <a:extLst>
+            <a:ext uri="{909E8E84-426E-40DD-AFC4-6F175D3DCCD1}">
+              <a14:hiddenFill xmlns:a14="http://schemas.microsoft.com/office/drawing/2010/main">
+                <a:solidFill>
+                  <a:srgbClr val="FFFFFF"/>
+                </a:solidFill>
+              </a14:hiddenFill>
+            </a:ext>
+          </a:extLst>
+        </p:spPr>
+      </p:pic>
+      <p:pic>
+        <p:nvPicPr>
+          <p:cNvPr id="1030" name="Picture 6" descr="Html 5 – Бесплатные иконки: социальные медиа">
+            <a:extLst>
+              <a:ext uri="{FF2B5EF4-FFF2-40B4-BE49-F238E27FC236}">
+                <a16:creationId xmlns:a16="http://schemas.microsoft.com/office/drawing/2014/main" id="{EC2F42FC-F10E-4841-9DF2-FF3CA86DDC0A}"/>
+              </a:ext>
+            </a:extLst>
+          </p:cNvPr>
+          <p:cNvPicPr>
+            <a:picLocks noChangeAspect="1" noChangeArrowheads="1"/>
+          </p:cNvPicPr>
+          <p:nvPr/>
+        </p:nvPicPr>
+        <p:blipFill>
+          <a:blip r:embed="rId4">
+            <a:extLst>
+              <a:ext uri="{28A0092B-C50C-407E-A947-70E740481C1C}">
+                <a14:useLocalDpi xmlns:a14="http://schemas.microsoft.com/office/drawing/2010/main" val="0"/>
+              </a:ext>
+            </a:extLst>
+          </a:blip>
+          <a:srcRect/>
+          <a:stretch>
+            <a:fillRect/>
+          </a:stretch>
+        </p:blipFill>
+        <p:spPr bwMode="auto">
+          <a:xfrm>
+            <a:off x="4584423" y="4086368"/>
+            <a:ext cx="1820159" cy="1820159"/>
+          </a:xfrm>
+          <a:prstGeom prst="rect">
+            <a:avLst/>
+          </a:prstGeom>
+          <a:noFill/>
+          <a:extLst>
+            <a:ext uri="{909E8E84-426E-40DD-AFC4-6F175D3DCCD1}">
+              <a14:hiddenFill xmlns:a14="http://schemas.microsoft.com/office/drawing/2010/main">
+                <a:solidFill>
+                  <a:srgbClr val="FFFFFF"/>
+                </a:solidFill>
+              </a14:hiddenFill>
+            </a:ext>
+          </a:extLst>
         </p:spPr>
       </p:pic>
     </p:spTree>
